--- a/docs/slides/12/12_compression.pptx
+++ b/docs/slides/12/12_compression.pptx
@@ -5,7 +5,7 @@
     <p:sldMasterId id="2147483648" r:id="rId1"/>
   </p:sldMasterIdLst>
   <p:notesMasterIdLst>
-    <p:notesMasterId r:id="rId39"/>
+    <p:notesMasterId r:id="rId41"/>
   </p:notesMasterIdLst>
   <p:sldIdLst>
     <p:sldId id="362" r:id="rId2"/>
@@ -44,7 +44,9 @@
     <p:sldId id="353" r:id="rId35"/>
     <p:sldId id="354" r:id="rId36"/>
     <p:sldId id="355" r:id="rId37"/>
-    <p:sldId id="363" r:id="rId38"/>
+    <p:sldId id="364" r:id="rId38"/>
+    <p:sldId id="365" r:id="rId39"/>
+    <p:sldId id="363" r:id="rId40"/>
   </p:sldIdLst>
   <p:sldSz cx="13004800" cy="9753600"/>
   <p:notesSz cx="6858000" cy="9144000"/>
@@ -2192,7 +2194,7 @@
           </a:ln>
           <a:extLst>
             <a:ext uri="{C572A759-6A51-4108-AA02-DFA0A04FC94B}">
-              <ma14:wrappingTextBoxFlag xmlns:ma14="http://schemas.microsoft.com/office/mac/drawingml/2011/main" val="1"/>
+              <ma14:wrappingTextBoxFlag xmlns:ma14="http://schemas.microsoft.com/office/mac/drawingml/2011/main" xmlns="" val="1"/>
             </a:ext>
           </a:extLst>
         </p:spPr>
@@ -2231,7 +2233,7 @@
           </a:ln>
           <a:extLst>
             <a:ext uri="{C572A759-6A51-4108-AA02-DFA0A04FC94B}">
-              <ma14:wrappingTextBoxFlag xmlns:ma14="http://schemas.microsoft.com/office/mac/drawingml/2011/main" val="1"/>
+              <ma14:wrappingTextBoxFlag xmlns:ma14="http://schemas.microsoft.com/office/mac/drawingml/2011/main" xmlns="" val="1"/>
             </a:ext>
           </a:extLst>
         </p:spPr>
@@ -3178,15 +3180,7 @@
             </a:br>
             <a:r>
               <a:rPr lang="en-US" sz="6600" dirty="0" smtClean="0"/>
-              <a:t>Lesson </a:t>
-            </a:r>
-            <a:r>
-              <a:rPr lang="en-US" sz="6600" dirty="0" smtClean="0"/>
-              <a:t>12: </a:t>
-            </a:r>
-            <a:r>
-              <a:rPr lang="en-US" sz="6600" dirty="0" smtClean="0"/>
-              <a:t/>
+              <a:t>Lesson 12: </a:t>
             </a:r>
             <a:br>
               <a:rPr lang="en-US" sz="6600" dirty="0" smtClean="0"/>
@@ -5067,7 +5061,7 @@
                       <m:sSupPr>
                         <m:ctrlPr>
                           <a:rPr lang="en-US" i="1" smtClean="0">
-                            <a:latin typeface="Cambria Math" charset="0"/>
+                            <a:latin typeface="Cambria Math" panose="02040503050406030204" pitchFamily="18" charset="0"/>
                           </a:rPr>
                         </m:ctrlPr>
                       </m:sSupPr>
@@ -13135,6 +13129,318 @@
           <a:p>
             <a:r>
               <a:rPr lang="en-US" dirty="0" smtClean="0"/>
+              <a:t>LZW Compression</a:t>
+            </a:r>
+            <a:endParaRPr lang="en-US" dirty="0"/>
+          </a:p>
+        </p:txBody>
+      </p:sp>
+      <mc:AlternateContent xmlns:mc="http://schemas.openxmlformats.org/markup-compatibility/2006">
+        <mc:Choice xmlns:a14="http://schemas.microsoft.com/office/drawing/2010/main" Requires="a14">
+          <p:sp>
+            <p:nvSpPr>
+              <p:cNvPr id="3" name="Text Placeholder 2"/>
+              <p:cNvSpPr>
+                <a:spLocks noGrp="1"/>
+              </p:cNvSpPr>
+              <p:nvPr>
+                <p:ph type="body" idx="1"/>
+              </p:nvPr>
+            </p:nvSpPr>
+            <p:spPr>
+              <a:xfrm>
+                <a:off x="441789" y="2603499"/>
+                <a:ext cx="12318714" cy="6848725"/>
+              </a:xfrm>
+            </p:spPr>
+            <p:txBody>
+              <a:bodyPr/>
+              <a:lstStyle/>
+              <a:p>
+                <a:r>
+                  <a:rPr lang="en-US" dirty="0" smtClean="0"/>
+                  <a:t>In Huffman, we have fixed size values (i.e., single chars) that are mapped by multibit key codes</a:t>
+                </a:r>
+              </a:p>
+              <a:p>
+                <a:r>
+                  <a:rPr lang="en-US" dirty="0" smtClean="0"/>
+                  <a:t>Another approach is to have fixed size key codes mapping multibit values</a:t>
+                </a:r>
+              </a:p>
+              <a:p>
+                <a:r>
+                  <a:rPr lang="en-US" dirty="0" smtClean="0"/>
+                  <a:t>Example: “</a:t>
+                </a:r>
+                <a:r>
+                  <a:rPr lang="en-US" i="1" dirty="0" smtClean="0"/>
+                  <a:t>have</a:t>
+                </a:r>
+                <a:r>
+                  <a:rPr lang="en-US" dirty="0" smtClean="0"/>
+                  <a:t>” is very common in English, and could be mapped by a single </a:t>
+                </a:r>
+                <a:r>
+                  <a:rPr lang="en-US" dirty="0" err="1" smtClean="0"/>
+                  <a:t>bitcode</a:t>
+                </a:r>
+                <a:r>
+                  <a:rPr lang="en-US" dirty="0" smtClean="0"/>
+                  <a:t> 000, instead of having a code for each of its chars… but need to have </a:t>
+                </a:r>
+                <a:r>
+                  <a:rPr lang="en-US" dirty="0" err="1" smtClean="0"/>
+                  <a:t>bitcode</a:t>
+                </a:r>
+                <a:r>
+                  <a:rPr lang="en-US" dirty="0" smtClean="0"/>
+                  <a:t> length </a:t>
+                </a:r>
+                <a:r>
+                  <a:rPr lang="en-US" i="1" dirty="0" smtClean="0"/>
+                  <a:t>n</a:t>
+                </a:r>
+                <a:r>
+                  <a:rPr lang="en-US" dirty="0" smtClean="0"/>
+                  <a:t> to represent all the </a:t>
+                </a:r>
+                <a14:m>
+                  <m:oMath xmlns:m="http://schemas.openxmlformats.org/officeDocument/2006/math">
+                    <m:sSup>
+                      <m:sSupPr>
+                        <m:ctrlPr>
+                          <a:rPr lang="en-US" i="1" smtClean="0">
+                            <a:latin typeface="Cambria Math" panose="02040503050406030204" pitchFamily="18" charset="0"/>
+                          </a:rPr>
+                        </m:ctrlPr>
+                      </m:sSupPr>
+                      <m:e>
+                        <m:r>
+                          <a:rPr lang="en-US" b="0" i="1" smtClean="0">
+                            <a:latin typeface="Cambria Math" panose="02040503050406030204" pitchFamily="18" charset="0"/>
+                          </a:rPr>
+                          <m:t>2</m:t>
+                        </m:r>
+                      </m:e>
+                      <m:sup>
+                        <m:r>
+                          <a:rPr lang="en-US" b="0" i="1" smtClean="0">
+                            <a:latin typeface="Cambria Math" panose="02040503050406030204" pitchFamily="18" charset="0"/>
+                          </a:rPr>
+                          <m:t>𝑛</m:t>
+                        </m:r>
+                        <m:r>
+                          <a:rPr lang="en-US" b="0" i="1" smtClean="0">
+                            <a:latin typeface="Cambria Math" panose="02040503050406030204" pitchFamily="18" charset="0"/>
+                          </a:rPr>
+                          <m:t> </m:t>
+                        </m:r>
+                      </m:sup>
+                    </m:sSup>
+                  </m:oMath>
+                </a14:m>
+                <a:r>
+                  <a:rPr lang="en-US" dirty="0" smtClean="0"/>
+                  <a:t> different words/tokens in a document</a:t>
+                </a:r>
+                <a:endParaRPr lang="en-US" dirty="0"/>
+              </a:p>
+            </p:txBody>
+          </p:sp>
+        </mc:Choice>
+        <mc:Fallback>
+          <p:sp>
+            <p:nvSpPr>
+              <p:cNvPr id="3" name="Text Placeholder 2"/>
+              <p:cNvSpPr>
+                <a:spLocks noGrp="1" noRot="1" noChangeAspect="1" noMove="1" noResize="1" noEditPoints="1" noAdjustHandles="1" noChangeArrowheads="1" noChangeShapeType="1" noTextEdit="1"/>
+              </p:cNvSpPr>
+              <p:nvPr>
+                <p:ph type="body" idx="1"/>
+              </p:nvPr>
+            </p:nvSpPr>
+            <p:spPr>
+              <a:xfrm>
+                <a:off x="441789" y="2603499"/>
+                <a:ext cx="12318714" cy="6848725"/>
+              </a:xfrm>
+              <a:blipFill>
+                <a:blip r:embed="rId2"/>
+                <a:stretch>
+                  <a:fillRect l="-1138" r="-1930"/>
+                </a:stretch>
+              </a:blipFill>
+            </p:spPr>
+            <p:txBody>
+              <a:bodyPr/>
+              <a:lstStyle/>
+              <a:p>
+                <a:r>
+                  <a:rPr lang="en-US">
+                    <a:noFill/>
+                  </a:rPr>
+                  <a:t> </a:t>
+                </a:r>
+              </a:p>
+            </p:txBody>
+          </p:sp>
+        </mc:Fallback>
+      </mc:AlternateContent>
+    </p:spTree>
+    <p:extLst>
+      <p:ext uri="{BB962C8B-B14F-4D97-AF65-F5344CB8AC3E}">
+        <p14:creationId xmlns:p14="http://schemas.microsoft.com/office/powerpoint/2010/main" val="79234852"/>
+      </p:ext>
+    </p:extLst>
+  </p:cSld>
+  <p:clrMapOvr>
+    <a:masterClrMapping/>
+  </p:clrMapOvr>
+  <p:transition spd="med"/>
+</p:sld>
+</file>
+
+<file path=ppt/slides/slide38.xml><?xml version="1.0" encoding="utf-8"?>
+<p:sld xmlns:a="http://schemas.openxmlformats.org/drawingml/2006/main" xmlns:r="http://schemas.openxmlformats.org/officeDocument/2006/relationships" xmlns:p="http://schemas.openxmlformats.org/presentationml/2006/main">
+  <p:cSld>
+    <p:spTree>
+      <p:nvGrpSpPr>
+        <p:cNvPr id="1" name=""/>
+        <p:cNvGrpSpPr/>
+        <p:nvPr/>
+      </p:nvGrpSpPr>
+      <p:grpSpPr>
+        <a:xfrm>
+          <a:off x="0" y="0"/>
+          <a:ext cx="0" cy="0"/>
+          <a:chOff x="0" y="0"/>
+          <a:chExt cx="0" cy="0"/>
+        </a:xfrm>
+      </p:grpSpPr>
+      <p:sp>
+        <p:nvSpPr>
+          <p:cNvPr id="2" name="Title 1"/>
+          <p:cNvSpPr>
+            <a:spLocks noGrp="1"/>
+          </p:cNvSpPr>
+          <p:nvPr>
+            <p:ph type="title"/>
+          </p:nvPr>
+        </p:nvSpPr>
+        <p:spPr/>
+        <p:txBody>
+          <a:bodyPr/>
+          <a:lstStyle/>
+          <a:p>
+            <a:r>
+              <a:rPr lang="en-US" dirty="0" smtClean="0"/>
+              <a:t>End of the Course…</a:t>
+            </a:r>
+            <a:endParaRPr lang="en-US" dirty="0"/>
+          </a:p>
+        </p:txBody>
+      </p:sp>
+      <p:sp>
+        <p:nvSpPr>
+          <p:cNvPr id="3" name="Text Placeholder 2"/>
+          <p:cNvSpPr>
+            <a:spLocks noGrp="1"/>
+          </p:cNvSpPr>
+          <p:nvPr>
+            <p:ph type="body" idx="1"/>
+          </p:nvPr>
+        </p:nvSpPr>
+        <p:spPr>
+          <a:xfrm>
+            <a:off x="503433" y="2603500"/>
+            <a:ext cx="12092683" cy="6797354"/>
+          </a:xfrm>
+        </p:spPr>
+        <p:txBody>
+          <a:bodyPr/>
+          <a:lstStyle/>
+          <a:p>
+            <a:r>
+              <a:rPr lang="en-US" dirty="0" smtClean="0"/>
+              <a:t>LZW is a popular compression algorithm based on that approach of fixed-size codes</a:t>
+            </a:r>
+          </a:p>
+          <a:p>
+            <a:r>
+              <a:rPr lang="en-US" smtClean="0"/>
+              <a:t>Being </a:t>
+            </a:r>
+            <a:r>
+              <a:rPr lang="en-US" dirty="0" smtClean="0"/>
+              <a:t>last class of this (long) course, we will not go into its details</a:t>
+            </a:r>
+          </a:p>
+          <a:p>
+            <a:r>
+              <a:rPr lang="en-US" dirty="0" smtClean="0"/>
+              <a:t>But for sake of completeness, the </a:t>
+            </a:r>
+            <a:r>
+              <a:rPr lang="en-US" dirty="0" err="1" smtClean="0"/>
+              <a:t>Git</a:t>
+            </a:r>
+            <a:r>
+              <a:rPr lang="en-US" dirty="0" smtClean="0"/>
+              <a:t> repository has its source and tests, but those will NOT be part of the exam</a:t>
+            </a:r>
+            <a:endParaRPr lang="en-US" dirty="0"/>
+          </a:p>
+        </p:txBody>
+      </p:sp>
+    </p:spTree>
+    <p:extLst>
+      <p:ext uri="{BB962C8B-B14F-4D97-AF65-F5344CB8AC3E}">
+        <p14:creationId xmlns:p14="http://schemas.microsoft.com/office/powerpoint/2010/main" val="3394920349"/>
+      </p:ext>
+    </p:extLst>
+  </p:cSld>
+  <p:clrMapOvr>
+    <a:masterClrMapping/>
+  </p:clrMapOvr>
+  <p:transition spd="med"/>
+</p:sld>
+</file>
+
+<file path=ppt/slides/slide39.xml><?xml version="1.0" encoding="utf-8"?>
+<p:sld xmlns:a="http://schemas.openxmlformats.org/drawingml/2006/main" xmlns:r="http://schemas.openxmlformats.org/officeDocument/2006/relationships" xmlns:p="http://schemas.openxmlformats.org/presentationml/2006/main">
+  <p:cSld>
+    <p:spTree>
+      <p:nvGrpSpPr>
+        <p:cNvPr id="1" name=""/>
+        <p:cNvGrpSpPr/>
+        <p:nvPr/>
+      </p:nvGrpSpPr>
+      <p:grpSpPr>
+        <a:xfrm>
+          <a:off x="0" y="0"/>
+          <a:ext cx="0" cy="0"/>
+          <a:chOff x="0" y="0"/>
+          <a:chExt cx="0" cy="0"/>
+        </a:xfrm>
+      </p:grpSpPr>
+      <p:sp>
+        <p:nvSpPr>
+          <p:cNvPr id="2" name="Title 1"/>
+          <p:cNvSpPr>
+            <a:spLocks noGrp="1"/>
+          </p:cNvSpPr>
+          <p:nvPr>
+            <p:ph type="title"/>
+          </p:nvPr>
+        </p:nvSpPr>
+        <p:spPr/>
+        <p:txBody>
+          <a:bodyPr/>
+          <a:lstStyle/>
+          <a:p>
+            <a:r>
+              <a:rPr lang="en-US" dirty="0" smtClean="0"/>
               <a:t>Homework</a:t>
             </a:r>
             <a:endParaRPr lang="en-US" dirty="0"/>
@@ -13168,11 +13474,7 @@
           <a:p>
             <a:r>
               <a:rPr lang="en-US" dirty="0" smtClean="0"/>
-              <a:t>Study </a:t>
-            </a:r>
-            <a:r>
-              <a:rPr lang="en-US" dirty="0" smtClean="0"/>
-              <a:t>code in the </a:t>
+              <a:t>Study code in the </a:t>
             </a:r>
             <a:r>
               <a:rPr lang="en-US" i="1" dirty="0" smtClean="0"/>
@@ -13180,11 +13482,7 @@
             </a:r>
             <a:r>
               <a:rPr lang="en-US" dirty="0" smtClean="0"/>
-              <a:t> </a:t>
-            </a:r>
-            <a:r>
-              <a:rPr lang="en-US" dirty="0" smtClean="0"/>
-              <a:t>package</a:t>
+              <a:t> package</a:t>
             </a:r>
           </a:p>
           <a:p>
@@ -13196,7 +13494,6 @@
               <a:rPr lang="en-US" i="1" dirty="0" smtClean="0"/>
               <a:t>exercises/ex12</a:t>
             </a:r>
-            <a:endParaRPr lang="en-US" i="1" dirty="0" smtClean="0"/>
           </a:p>
         </p:txBody>
       </p:sp>
@@ -14281,7 +14578,15 @@
           <a:p>
             <a:r>
               <a:rPr lang="en-US" dirty="0" smtClean="0"/>
-              <a:t>In hash, we map from bigger domain X into smaller domain Y, but:</a:t>
+              <a:t>In hash, </a:t>
+            </a:r>
+            <a:r>
+              <a:rPr lang="en-US" dirty="0" smtClean="0"/>
+              <a:t>usually we </a:t>
+            </a:r>
+            <a:r>
+              <a:rPr lang="en-US" dirty="0" smtClean="0"/>
+              <a:t>map from bigger domain X into smaller domain Y, but:</a:t>
             </a:r>
           </a:p>
           <a:p>
@@ -14467,7 +14772,7 @@
                         <m:endChr m:val="|"/>
                         <m:ctrlPr>
                           <a:rPr lang="en-US" b="0" i="1" smtClean="0">
-                            <a:latin typeface="Cambria Math" charset="0"/>
+                            <a:latin typeface="Cambria Math" panose="02040503050406030204" pitchFamily="18" charset="0"/>
                           </a:rPr>
                         </m:ctrlPr>
                       </m:dPr>
@@ -14493,7 +14798,7 @@
                       <m:sSupPr>
                         <m:ctrlPr>
                           <a:rPr lang="en-US" i="1" smtClean="0">
-                            <a:latin typeface="Cambria Math" charset="0"/>
+                            <a:latin typeface="Cambria Math" panose="02040503050406030204" pitchFamily="18" charset="0"/>
                           </a:rPr>
                         </m:ctrlPr>
                       </m:sSupPr>
@@ -14552,7 +14857,7 @@
                         <m:endChr m:val="|"/>
                         <m:ctrlPr>
                           <a:rPr lang="en-US" b="0" i="1" smtClean="0">
-                            <a:latin typeface="Cambria Math" charset="0"/>
+                            <a:latin typeface="Cambria Math" panose="02040503050406030204" pitchFamily="18" charset="0"/>
                           </a:rPr>
                         </m:ctrlPr>
                       </m:dPr>
@@ -14575,7 +14880,7 @@
                       <m:sSupPr>
                         <m:ctrlPr>
                           <a:rPr lang="en-US" i="1" smtClean="0">
-                            <a:latin typeface="Cambria Math" charset="0"/>
+                            <a:latin typeface="Cambria Math" panose="02040503050406030204" pitchFamily="18" charset="0"/>
                           </a:rPr>
                         </m:ctrlPr>
                       </m:sSupPr>
@@ -14612,7 +14917,7 @@
                       <m:sSupPr>
                         <m:ctrlPr>
                           <a:rPr lang="en-US" i="1">
-                            <a:latin typeface="Cambria Math" charset="0"/>
+                            <a:latin typeface="Cambria Math" panose="02040503050406030204" pitchFamily="18" charset="0"/>
                           </a:rPr>
                         </m:ctrlPr>
                       </m:sSupPr>
@@ -14649,7 +14954,7 @@
                       <m:sSupPr>
                         <m:ctrlPr>
                           <a:rPr lang="en-US" i="1">
-                            <a:latin typeface="Cambria Math" charset="0"/>
+                            <a:latin typeface="Cambria Math" panose="02040503050406030204" pitchFamily="18" charset="0"/>
                           </a:rPr>
                         </m:ctrlPr>
                       </m:sSupPr>
@@ -14680,7 +14985,7 @@
                       <m:sSupPr>
                         <m:ctrlPr>
                           <a:rPr lang="en-US" i="1">
-                            <a:latin typeface="Cambria Math" charset="0"/>
+                            <a:latin typeface="Cambria Math" panose="02040503050406030204" pitchFamily="18" charset="0"/>
                           </a:rPr>
                         </m:ctrlPr>
                       </m:sSupPr>
@@ -14711,7 +15016,7 @@
                       <m:sSupPr>
                         <m:ctrlPr>
                           <a:rPr lang="en-US" i="1">
-                            <a:latin typeface="Cambria Math" charset="0"/>
+                            <a:latin typeface="Cambria Math" panose="02040503050406030204" pitchFamily="18" charset="0"/>
                           </a:rPr>
                         </m:ctrlPr>
                       </m:sSupPr>
@@ -14742,7 +15047,7 @@
                       <m:sSupPr>
                         <m:ctrlPr>
                           <a:rPr lang="en-US" i="1">
-                            <a:latin typeface="Cambria Math" charset="0"/>
+                            <a:latin typeface="Cambria Math" panose="02040503050406030204" pitchFamily="18" charset="0"/>
                           </a:rPr>
                         </m:ctrlPr>
                       </m:sSupPr>
@@ -14918,7 +15223,7 @@
                       <m:sSupPr>
                         <m:ctrlPr>
                           <a:rPr lang="en-US" i="1" smtClean="0">
-                            <a:latin typeface="Cambria Math" charset="0"/>
+                            <a:latin typeface="Cambria Math" panose="02040503050406030204" pitchFamily="18" charset="0"/>
                           </a:rPr>
                         </m:ctrlPr>
                       </m:sSupPr>
@@ -17375,8 +17680,8 @@
           </a:p>
         </p:txBody>
       </p:sp>
-      <mc:AlternateContent xmlns:mc="http://schemas.openxmlformats.org/markup-compatibility/2006" xmlns:a14="http://schemas.microsoft.com/office/drawing/2010/main">
-        <mc:Choice Requires="a14">
+      <mc:AlternateContent xmlns:mc="http://schemas.openxmlformats.org/markup-compatibility/2006">
+        <mc:Choice xmlns:a14="http://schemas.microsoft.com/office/drawing/2010/main" Requires="a14">
           <p:sp>
             <p:nvSpPr>
               <p:cNvPr id="3" name="Text Placeholder 2"/>
@@ -17390,7 +17695,7 @@
             <p:spPr/>
             <p:txBody>
               <a:bodyPr>
-                <a:normAutofit fontScale="92500" lnSpcReduction="20000"/>
+                <a:normAutofit fontScale="92500" lnSpcReduction="10000"/>
               </a:bodyPr>
               <a:lstStyle/>
               <a:p>
@@ -17400,7 +17705,7 @@
                       <m:sSupPr>
                         <m:ctrlPr>
                           <a:rPr lang="en-US" i="1" smtClean="0">
-                            <a:latin typeface="Cambria Math" charset="0"/>
+                            <a:latin typeface="Cambria Math" panose="02040503050406030204" pitchFamily="18" charset="0"/>
                           </a:rPr>
                         </m:ctrlPr>
                       </m:sSupPr>
@@ -17411,7 +17716,7 @@
                             <m:endChr m:val="|"/>
                             <m:ctrlPr>
                               <a:rPr lang="en-US" b="0" i="1" smtClean="0">
-                                <a:latin typeface="Cambria Math" charset="0"/>
+                                <a:latin typeface="Cambria Math" panose="02040503050406030204" pitchFamily="18" charset="0"/>
                               </a:rPr>
                             </m:ctrlPr>
                           </m:dPr>
@@ -17452,7 +17757,7 @@
                       <m:sSupPr>
                         <m:ctrlPr>
                           <a:rPr lang="en-US" i="1" smtClean="0">
-                            <a:latin typeface="Cambria Math" charset="0"/>
+                            <a:latin typeface="Cambria Math" panose="02040503050406030204" pitchFamily="18" charset="0"/>
                           </a:rPr>
                         </m:ctrlPr>
                       </m:sSupPr>
@@ -17463,7 +17768,7 @@
                             <m:endChr m:val="|"/>
                             <m:ctrlPr>
                               <a:rPr lang="en-US" b="0" i="1" smtClean="0">
-                                <a:latin typeface="Cambria Math" charset="0"/>
+                                <a:latin typeface="Cambria Math" panose="02040503050406030204" pitchFamily="18" charset="0"/>
                               </a:rPr>
                             </m:ctrlPr>
                           </m:dPr>
@@ -17508,7 +17813,7 @@
                       <m:sSupPr>
                         <m:ctrlPr>
                           <a:rPr lang="en-US" i="1" smtClean="0">
-                            <a:latin typeface="Cambria Math" charset="0"/>
+                            <a:latin typeface="Cambria Math" panose="02040503050406030204" pitchFamily="18" charset="0"/>
                           </a:rPr>
                         </m:ctrlPr>
                       </m:sSupPr>
@@ -17525,7 +17830,7 @@
                           <m:fPr>
                             <m:ctrlPr>
                               <a:rPr lang="en-US" i="1">
-                                <a:latin typeface="Cambria Math" charset="0"/>
+                                <a:latin typeface="Cambria Math" panose="02040503050406030204" pitchFamily="18" charset="0"/>
                               </a:rPr>
                             </m:ctrlPr>
                           </m:fPr>
@@ -17564,7 +17869,7 @@
                       <m:sSupPr>
                         <m:ctrlPr>
                           <a:rPr lang="en-US" i="1" smtClean="0">
-                            <a:latin typeface="Cambria Math" charset="0"/>
+                            <a:latin typeface="Cambria Math" panose="02040503050406030204" pitchFamily="18" charset="0"/>
                           </a:rPr>
                         </m:ctrlPr>
                       </m:sSupPr>
@@ -17595,7 +17900,7 @@
                       <m:sSupPr>
                         <m:ctrlPr>
                           <a:rPr lang="en-US" i="1">
-                            <a:latin typeface="Cambria Math" charset="0"/>
+                            <a:latin typeface="Cambria Math" panose="02040503050406030204" pitchFamily="18" charset="0"/>
                           </a:rPr>
                         </m:ctrlPr>
                       </m:sSupPr>
@@ -17612,7 +17917,7 @@
                           <m:fPr>
                             <m:ctrlPr>
                               <a:rPr lang="en-US" i="1">
-                                <a:latin typeface="Cambria Math" charset="0"/>
+                                <a:latin typeface="Cambria Math" panose="02040503050406030204" pitchFamily="18" charset="0"/>
                               </a:rPr>
                             </m:ctrlPr>
                           </m:fPr>
@@ -17658,7 +17963,7 @@
                       <m:fPr>
                         <m:ctrlPr>
                           <a:rPr lang="en-US" i="1" smtClean="0">
-                            <a:latin typeface="Cambria Math" charset="0"/>
+                            <a:latin typeface="Cambria Math" panose="02040503050406030204" pitchFamily="18" charset="0"/>
                           </a:rPr>
                         </m:ctrlPr>
                       </m:fPr>
@@ -17713,7 +18018,7 @@
                       <m:fPr>
                         <m:ctrlPr>
                           <a:rPr lang="en-US" b="0" i="1" smtClean="0">
-                            <a:latin typeface="Cambria Math" charset="0"/>
+                            <a:latin typeface="Cambria Math" panose="02040503050406030204" pitchFamily="18" charset="0"/>
                           </a:rPr>
                         </m:ctrlPr>
                       </m:fPr>
@@ -17722,7 +18027,7 @@
                           <m:sSupPr>
                             <m:ctrlPr>
                               <a:rPr lang="en-US" b="0" i="1" smtClean="0">
-                                <a:latin typeface="Cambria Math" charset="0"/>
+                                <a:latin typeface="Cambria Math" panose="02040503050406030204" pitchFamily="18" charset="0"/>
                               </a:rPr>
                             </m:ctrlPr>
                           </m:sSupPr>
@@ -17749,7 +18054,7 @@
                           <m:sSupPr>
                             <m:ctrlPr>
                               <a:rPr lang="en-US" b="0" i="1" smtClean="0">
-                                <a:latin typeface="Cambria Math" charset="0"/>
+                                <a:latin typeface="Cambria Math" panose="02040503050406030204" pitchFamily="18" charset="0"/>
                               </a:rPr>
                             </m:ctrlPr>
                           </m:sSupPr>
@@ -17766,7 +18071,7 @@
                               <m:fPr>
                                 <m:ctrlPr>
                                   <a:rPr lang="en-US" b="0" i="1" smtClean="0">
-                                    <a:latin typeface="Cambria Math" charset="0"/>
+                                    <a:latin typeface="Cambria Math" panose="02040503050406030204" pitchFamily="18" charset="0"/>
                                   </a:rPr>
                                 </m:ctrlPr>
                               </m:fPr>
@@ -17813,7 +18118,7 @@
                       <m:fPr>
                         <m:ctrlPr>
                           <a:rPr lang="en-US" i="1">
-                            <a:latin typeface="Cambria Math" charset="0"/>
+                            <a:latin typeface="Cambria Math" panose="02040503050406030204" pitchFamily="18" charset="0"/>
                           </a:rPr>
                         </m:ctrlPr>
                       </m:fPr>
@@ -17822,7 +18127,7 @@
                           <m:sSupPr>
                             <m:ctrlPr>
                               <a:rPr lang="en-US" i="1">
-                                <a:latin typeface="Cambria Math" charset="0"/>
+                                <a:latin typeface="Cambria Math" panose="02040503050406030204" pitchFamily="18" charset="0"/>
                               </a:rPr>
                             </m:ctrlPr>
                           </m:sSupPr>
@@ -17849,7 +18154,7 @@
                           <m:sSupPr>
                             <m:ctrlPr>
                               <a:rPr lang="en-US" i="1">
-                                <a:latin typeface="Cambria Math" charset="0"/>
+                                <a:latin typeface="Cambria Math" panose="02040503050406030204" pitchFamily="18" charset="0"/>
                               </a:rPr>
                             </m:ctrlPr>
                           </m:sSupPr>
@@ -17866,7 +18171,7 @@
                               <m:fPr>
                                 <m:ctrlPr>
                                   <a:rPr lang="en-US" i="1">
-                                    <a:latin typeface="Cambria Math" charset="0"/>
+                                    <a:latin typeface="Cambria Math" panose="02040503050406030204" pitchFamily="18" charset="0"/>
                                   </a:rPr>
                                 </m:ctrlPr>
                               </m:fPr>
@@ -17907,7 +18212,7 @@
                       <m:sSupPr>
                         <m:ctrlPr>
                           <a:rPr lang="en-US" b="0" i="1" smtClean="0">
-                            <a:latin typeface="Cambria Math" charset="0"/>
+                            <a:latin typeface="Cambria Math" panose="02040503050406030204" pitchFamily="18" charset="0"/>
                           </a:rPr>
                         </m:ctrlPr>
                       </m:sSupPr>
@@ -17936,7 +18241,7 @@
                           <m:fPr>
                             <m:ctrlPr>
                               <a:rPr lang="en-US" b="0" i="1" smtClean="0">
-                                <a:latin typeface="Cambria Math" charset="0"/>
+                                <a:latin typeface="Cambria Math" panose="02040503050406030204" pitchFamily="18" charset="0"/>
                               </a:rPr>
                             </m:ctrlPr>
                           </m:fPr>
@@ -17975,7 +18280,7 @@
                       <m:sSupPr>
                         <m:ctrlPr>
                           <a:rPr lang="en-US" b="0" i="1" smtClean="0">
-                            <a:latin typeface="Cambria Math" charset="0"/>
+                            <a:latin typeface="Cambria Math" panose="02040503050406030204" pitchFamily="18" charset="0"/>
                           </a:rPr>
                         </m:ctrlPr>
                       </m:sSupPr>
@@ -17992,7 +18297,7 @@
                           <m:fPr>
                             <m:ctrlPr>
                               <a:rPr lang="en-US" b="0" i="1" smtClean="0">
-                                <a:latin typeface="Cambria Math" charset="0"/>
+                                <a:latin typeface="Cambria Math" panose="02040503050406030204" pitchFamily="18" charset="0"/>
                               </a:rPr>
                             </m:ctrlPr>
                           </m:fPr>
@@ -18053,7 +18358,7 @@
                       <m:sSupPr>
                         <m:ctrlPr>
                           <a:rPr lang="en-US" b="0" i="1" smtClean="0">
-                            <a:latin typeface="Cambria Math" charset="0"/>
+                            <a:latin typeface="Cambria Math" panose="02040503050406030204" pitchFamily="18" charset="0"/>
                             <a:ea typeface="Cambria Math" panose="02040503050406030204" pitchFamily="18" charset="0"/>
                           </a:rPr>
                         </m:ctrlPr>
@@ -18128,7 +18433,7 @@
             </p:txBody>
           </p:sp>
         </mc:Choice>
-        <mc:Fallback xmlns="">
+        <mc:Fallback>
           <p:sp>
             <p:nvSpPr>
               <p:cNvPr id="3" name="Text Placeholder 2"/>
@@ -18140,10 +18445,10 @@
               </p:nvPr>
             </p:nvSpPr>
             <p:spPr>
-              <a:blipFill rotWithShape="0">
+              <a:blipFill>
                 <a:blip r:embed="rId2"/>
                 <a:stretch>
-                  <a:fillRect l="-988" r="-1538" b="-1746"/>
+                  <a:fillRect l="-1153" r="-2691" b="-1261"/>
                 </a:stretch>
               </a:blipFill>
             </p:spPr>

--- a/docs/slides/12/12_compression.pptx
+++ b/docs/slides/12/12_compression.pptx
@@ -2194,7 +2194,7 @@
           </a:ln>
           <a:extLst>
             <a:ext uri="{C572A759-6A51-4108-AA02-DFA0A04FC94B}">
-              <ma14:wrappingTextBoxFlag xmlns:ma14="http://schemas.microsoft.com/office/mac/drawingml/2011/main" xmlns="" val="1"/>
+              <ma14:wrappingTextBoxFlag xmlns="" xmlns:ma14="http://schemas.microsoft.com/office/mac/drawingml/2011/main" val="1"/>
             </a:ext>
           </a:extLst>
         </p:spPr>
@@ -2233,7 +2233,7 @@
           </a:ln>
           <a:extLst>
             <a:ext uri="{C572A759-6A51-4108-AA02-DFA0A04FC94B}">
-              <ma14:wrappingTextBoxFlag xmlns:ma14="http://schemas.microsoft.com/office/mac/drawingml/2011/main" xmlns="" val="1"/>
+              <ma14:wrappingTextBoxFlag xmlns="" xmlns:ma14="http://schemas.microsoft.com/office/mac/drawingml/2011/main" val="1"/>
             </a:ext>
           </a:extLst>
         </p:spPr>
@@ -3215,8 +3215,16 @@
           <a:p>
             <a:pPr algn="r"/>
             <a:r>
-              <a:rPr lang="en-US" dirty="0" smtClean="0"/>
-              <a:t>Dr. Andrea Arcuri</a:t>
+              <a:rPr lang="en-US" smtClean="0"/>
+              <a:t>Prof</a:t>
+            </a:r>
+            <a:r>
+              <a:rPr lang="en-US" smtClean="0"/>
+              <a:t>. </a:t>
+            </a:r>
+            <a:r>
+              <a:rPr lang="en-US" dirty="0" smtClean="0"/>
+              <a:t>Andrea Arcuri</a:t>
             </a:r>
             <a:endParaRPr lang="en-US" dirty="0"/>
           </a:p>
@@ -13135,8 +13143,8 @@
           </a:p>
         </p:txBody>
       </p:sp>
-      <mc:AlternateContent xmlns:mc="http://schemas.openxmlformats.org/markup-compatibility/2006">
-        <mc:Choice xmlns:a14="http://schemas.microsoft.com/office/drawing/2010/main" Requires="a14">
+      <mc:AlternateContent xmlns:mc="http://schemas.openxmlformats.org/markup-compatibility/2006" xmlns:a14="http://schemas.microsoft.com/office/drawing/2010/main">
+        <mc:Choice Requires="a14">
           <p:sp>
             <p:nvSpPr>
               <p:cNvPr id="3" name="Text Placeholder 2"/>
@@ -13249,7 +13257,7 @@
             </p:txBody>
           </p:sp>
         </mc:Choice>
-        <mc:Fallback>
+        <mc:Fallback xmlns="">
           <p:sp>
             <p:nvSpPr>
               <p:cNvPr id="3" name="Text Placeholder 2"/>
@@ -14578,15 +14586,7 @@
           <a:p>
             <a:r>
               <a:rPr lang="en-US" dirty="0" smtClean="0"/>
-              <a:t>In hash, </a:t>
-            </a:r>
-            <a:r>
-              <a:rPr lang="en-US" dirty="0" smtClean="0"/>
-              <a:t>usually we </a:t>
-            </a:r>
-            <a:r>
-              <a:rPr lang="en-US" dirty="0" smtClean="0"/>
-              <a:t>map from bigger domain X into smaller domain Y, but:</a:t>
+              <a:t>In hash, usually we map from bigger domain X into smaller domain Y, but:</a:t>
             </a:r>
           </a:p>
           <a:p>
@@ -17680,8 +17680,8 @@
           </a:p>
         </p:txBody>
       </p:sp>
-      <mc:AlternateContent xmlns:mc="http://schemas.openxmlformats.org/markup-compatibility/2006">
-        <mc:Choice xmlns:a14="http://schemas.microsoft.com/office/drawing/2010/main" Requires="a14">
+      <mc:AlternateContent xmlns:mc="http://schemas.openxmlformats.org/markup-compatibility/2006" xmlns:a14="http://schemas.microsoft.com/office/drawing/2010/main">
+        <mc:Choice Requires="a14">
           <p:sp>
             <p:nvSpPr>
               <p:cNvPr id="3" name="Text Placeholder 2"/>
@@ -18433,7 +18433,7 @@
             </p:txBody>
           </p:sp>
         </mc:Choice>
-        <mc:Fallback>
+        <mc:Fallback xmlns="">
           <p:sp>
             <p:nvSpPr>
               <p:cNvPr id="3" name="Text Placeholder 2"/>

--- a/docs/slides/12/12_compression.pptx
+++ b/docs/slides/12/12_compression.pptx
@@ -5,7 +5,7 @@
     <p:sldMasterId id="2147483648" r:id="rId1"/>
   </p:sldMasterIdLst>
   <p:notesMasterIdLst>
-    <p:notesMasterId r:id="rId41"/>
+    <p:notesMasterId r:id="rId42"/>
   </p:notesMasterIdLst>
   <p:sldIdLst>
     <p:sldId id="362" r:id="rId2"/>
@@ -46,7 +46,8 @@
     <p:sldId id="355" r:id="rId37"/>
     <p:sldId id="364" r:id="rId38"/>
     <p:sldId id="365" r:id="rId39"/>
-    <p:sldId id="363" r:id="rId40"/>
+    <p:sldId id="366" r:id="rId40"/>
+    <p:sldId id="363" r:id="rId41"/>
   </p:sldIdLst>
   <p:sldSz cx="13004800" cy="9753600"/>
   <p:notesSz cx="6858000" cy="9144000"/>
@@ -2194,7 +2195,7 @@
           </a:ln>
           <a:extLst>
             <a:ext uri="{C572A759-6A51-4108-AA02-DFA0A04FC94B}">
-              <ma14:wrappingTextBoxFlag xmlns="" xmlns:ma14="http://schemas.microsoft.com/office/mac/drawingml/2011/main" val="1"/>
+              <ma14:wrappingTextBoxFlag xmlns:ma14="http://schemas.microsoft.com/office/mac/drawingml/2011/main" xmlns="" val="1"/>
             </a:ext>
           </a:extLst>
         </p:spPr>
@@ -2233,7 +2234,7 @@
           </a:ln>
           <a:extLst>
             <a:ext uri="{C572A759-6A51-4108-AA02-DFA0A04FC94B}">
-              <ma14:wrappingTextBoxFlag xmlns="" xmlns:ma14="http://schemas.microsoft.com/office/mac/drawingml/2011/main" val="1"/>
+              <ma14:wrappingTextBoxFlag xmlns:ma14="http://schemas.microsoft.com/office/mac/drawingml/2011/main" xmlns="" val="1"/>
             </a:ext>
           </a:extLst>
         </p:spPr>
@@ -3216,11 +3217,7 @@
             <a:pPr algn="r"/>
             <a:r>
               <a:rPr lang="en-US" smtClean="0"/>
-              <a:t>Prof</a:t>
-            </a:r>
-            <a:r>
-              <a:rPr lang="en-US" smtClean="0"/>
-              <a:t>. </a:t>
+              <a:t>Prof. </a:t>
             </a:r>
             <a:r>
               <a:rPr lang="en-US" dirty="0" smtClean="0"/>
@@ -13448,8 +13445,12 @@
           <a:lstStyle/>
           <a:p>
             <a:r>
-              <a:rPr lang="en-US" dirty="0" smtClean="0"/>
-              <a:t>Homework</a:t>
+              <a:rPr lang="en-US" dirty="0" err="1" smtClean="0"/>
+              <a:t>Lossy</a:t>
+            </a:r>
+            <a:r>
+              <a:rPr lang="en-US" dirty="0" smtClean="0"/>
+              <a:t> Compression</a:t>
             </a:r>
             <a:endParaRPr lang="en-US" dirty="0"/>
           </a:p>
@@ -13465,42 +13466,96 @@
             <p:ph type="body" idx="1"/>
           </p:nvPr>
         </p:nvSpPr>
-        <p:spPr/>
+        <p:spPr>
+          <a:xfrm>
+            <a:off x="210553" y="2603499"/>
+            <a:ext cx="12603079" cy="6961605"/>
+          </a:xfrm>
+        </p:spPr>
         <p:txBody>
           <a:bodyPr/>
           <a:lstStyle/>
           <a:p>
             <a:r>
-              <a:rPr lang="en-US" dirty="0"/>
-              <a:t>Study Book Chapter </a:t>
-            </a:r>
-            <a:r>
-              <a:rPr lang="en-US" dirty="0" smtClean="0"/>
-              <a:t>5.5</a:t>
-            </a:r>
-          </a:p>
-          <a:p>
-            <a:r>
-              <a:rPr lang="en-US" dirty="0" smtClean="0"/>
-              <a:t>Study code in the </a:t>
+              <a:rPr lang="en-US" dirty="0" smtClean="0"/>
+              <a:t>So far, discussed </a:t>
             </a:r>
             <a:r>
               <a:rPr lang="en-US" i="1" dirty="0" smtClean="0"/>
-              <a:t>org.pg4200.les12</a:t>
-            </a:r>
-            <a:r>
-              <a:rPr lang="en-US" dirty="0" smtClean="0"/>
-              <a:t> package</a:t>
-            </a:r>
-          </a:p>
-          <a:p>
-            <a:r>
-              <a:rPr lang="en-US" dirty="0" smtClean="0"/>
-              <a:t>Do exercises in </a:t>
+              <a:t>Lossless Compression</a:t>
+            </a:r>
+          </a:p>
+          <a:p>
+            <a:pPr lvl="1"/>
+            <a:r>
+              <a:rPr lang="en-US" dirty="0" smtClean="0"/>
+              <a:t>from compressed data, always able to recover the original in full</a:t>
+            </a:r>
+          </a:p>
+          <a:p>
+            <a:r>
+              <a:rPr lang="en-US" dirty="0" smtClean="0"/>
+              <a:t>To compress even more, could use </a:t>
+            </a:r>
+            <a:r>
+              <a:rPr lang="en-US" i="1" dirty="0" err="1" smtClean="0"/>
+              <a:t>Lossy</a:t>
             </a:r>
             <a:r>
               <a:rPr lang="en-US" i="1" dirty="0" smtClean="0"/>
-              <a:t>exercises/ex12</a:t>
+              <a:t> Compression</a:t>
+            </a:r>
+          </a:p>
+          <a:p>
+            <a:pPr lvl="1"/>
+            <a:r>
+              <a:rPr lang="en-US" dirty="0" smtClean="0"/>
+              <a:t>lose some information when compress, so cannot recover the original</a:t>
+            </a:r>
+          </a:p>
+          <a:p>
+            <a:pPr lvl="1"/>
+            <a:r>
+              <a:rPr lang="en-US" dirty="0" smtClean="0"/>
+              <a:t>useful when a decrease in quality is acceptable</a:t>
+            </a:r>
+          </a:p>
+          <a:p>
+            <a:pPr lvl="1"/>
+            <a:r>
+              <a:rPr lang="en-US" dirty="0" err="1" smtClean="0"/>
+              <a:t>eg</a:t>
+            </a:r>
+            <a:r>
+              <a:rPr lang="en-US" dirty="0" smtClean="0"/>
+              <a:t>: images like </a:t>
+            </a:r>
+            <a:r>
+              <a:rPr lang="en-US" i="1" dirty="0" smtClean="0"/>
+              <a:t>JPEG</a:t>
+            </a:r>
+            <a:r>
+              <a:rPr lang="en-US" dirty="0" smtClean="0"/>
+              <a:t>, where quality is degraded to get smaller file size</a:t>
+            </a:r>
+          </a:p>
+          <a:p>
+            <a:pPr lvl="1"/>
+            <a:r>
+              <a:rPr lang="en-US" dirty="0" err="1" smtClean="0"/>
+              <a:t>eg</a:t>
+            </a:r>
+            <a:r>
+              <a:rPr lang="en-US" dirty="0" smtClean="0"/>
+              <a:t>: music formats like </a:t>
+            </a:r>
+            <a:r>
+              <a:rPr lang="en-US" i="1" dirty="0" smtClean="0"/>
+              <a:t>MP3</a:t>
+            </a:r>
+            <a:r>
+              <a:rPr lang="en-US" dirty="0" smtClean="0"/>
+              <a:t>, where removing some sound components that anyway would not be hearable by humans</a:t>
             </a:r>
           </a:p>
         </p:txBody>
@@ -13508,7 +13563,7 @@
     </p:spTree>
     <p:extLst>
       <p:ext uri="{BB962C8B-B14F-4D97-AF65-F5344CB8AC3E}">
-        <p14:creationId xmlns:p14="http://schemas.microsoft.com/office/powerpoint/2010/main" val="1528721822"/>
+        <p14:creationId xmlns:p14="http://schemas.microsoft.com/office/powerpoint/2010/main" val="1746748881"/>
       </p:ext>
     </p:extLst>
   </p:cSld>
@@ -13516,13 +13571,6 @@
     <a:masterClrMapping/>
   </p:clrMapOvr>
   <p:transition spd="med"/>
-  <p:timing>
-    <p:tnLst>
-      <p:par>
-        <p:cTn id="1" dur="indefinite" restart="never" nodeType="tmRoot"/>
-      </p:par>
-    </p:tnLst>
-  </p:timing>
 </p:sld>
 </file>
 
@@ -14512,6 +14560,117 @@
     <p:extLst>
       <p:ext uri="{BB962C8B-B14F-4D97-AF65-F5344CB8AC3E}">
         <p14:creationId xmlns:p14="http://schemas.microsoft.com/office/powerpoint/2010/main" val="582584620"/>
+      </p:ext>
+    </p:extLst>
+  </p:cSld>
+  <p:clrMapOvr>
+    <a:masterClrMapping/>
+  </p:clrMapOvr>
+  <p:transition spd="med"/>
+  <p:timing>
+    <p:tnLst>
+      <p:par>
+        <p:cTn id="1" dur="indefinite" restart="never" nodeType="tmRoot"/>
+      </p:par>
+    </p:tnLst>
+  </p:timing>
+</p:sld>
+</file>
+
+<file path=ppt/slides/slide40.xml><?xml version="1.0" encoding="utf-8"?>
+<p:sld xmlns:a="http://schemas.openxmlformats.org/drawingml/2006/main" xmlns:r="http://schemas.openxmlformats.org/officeDocument/2006/relationships" xmlns:p="http://schemas.openxmlformats.org/presentationml/2006/main">
+  <p:cSld>
+    <p:spTree>
+      <p:nvGrpSpPr>
+        <p:cNvPr id="1" name=""/>
+        <p:cNvGrpSpPr/>
+        <p:nvPr/>
+      </p:nvGrpSpPr>
+      <p:grpSpPr>
+        <a:xfrm>
+          <a:off x="0" y="0"/>
+          <a:ext cx="0" cy="0"/>
+          <a:chOff x="0" y="0"/>
+          <a:chExt cx="0" cy="0"/>
+        </a:xfrm>
+      </p:grpSpPr>
+      <p:sp>
+        <p:nvSpPr>
+          <p:cNvPr id="2" name="Title 1"/>
+          <p:cNvSpPr>
+            <a:spLocks noGrp="1"/>
+          </p:cNvSpPr>
+          <p:nvPr>
+            <p:ph type="title"/>
+          </p:nvPr>
+        </p:nvSpPr>
+        <p:spPr/>
+        <p:txBody>
+          <a:bodyPr/>
+          <a:lstStyle/>
+          <a:p>
+            <a:r>
+              <a:rPr lang="en-US" dirty="0" smtClean="0"/>
+              <a:t>Homework</a:t>
+            </a:r>
+            <a:endParaRPr lang="en-US" dirty="0"/>
+          </a:p>
+        </p:txBody>
+      </p:sp>
+      <p:sp>
+        <p:nvSpPr>
+          <p:cNvPr id="3" name="Text Placeholder 2"/>
+          <p:cNvSpPr>
+            <a:spLocks noGrp="1"/>
+          </p:cNvSpPr>
+          <p:nvPr>
+            <p:ph type="body" idx="1"/>
+          </p:nvPr>
+        </p:nvSpPr>
+        <p:spPr/>
+        <p:txBody>
+          <a:bodyPr/>
+          <a:lstStyle/>
+          <a:p>
+            <a:r>
+              <a:rPr lang="en-US" dirty="0"/>
+              <a:t>Study Book Chapter </a:t>
+            </a:r>
+            <a:r>
+              <a:rPr lang="en-US" dirty="0" smtClean="0"/>
+              <a:t>5.5</a:t>
+            </a:r>
+          </a:p>
+          <a:p>
+            <a:r>
+              <a:rPr lang="en-US" dirty="0" smtClean="0"/>
+              <a:t>Study code in the </a:t>
+            </a:r>
+            <a:r>
+              <a:rPr lang="en-US" i="1" dirty="0" smtClean="0"/>
+              <a:t>org.pg4200.les12</a:t>
+            </a:r>
+            <a:r>
+              <a:rPr lang="en-US" dirty="0" smtClean="0"/>
+              <a:t> package</a:t>
+            </a:r>
+          </a:p>
+          <a:p>
+            <a:r>
+              <a:rPr lang="en-US" dirty="0" smtClean="0"/>
+              <a:t>Do exercises in </a:t>
+            </a:r>
+            <a:r>
+              <a:rPr lang="en-US" i="1" dirty="0" smtClean="0"/>
+              <a:t>exercises/ex12</a:t>
+            </a:r>
+          </a:p>
+        </p:txBody>
+      </p:sp>
+    </p:spTree>
+    <p:extLst>
+      <p:ext uri="{BB962C8B-B14F-4D97-AF65-F5344CB8AC3E}">
+        <p14:creationId xmlns:p14="http://schemas.microsoft.com/office/powerpoint/2010/main" val="1528721822"/>
       </p:ext>
     </p:extLst>
   </p:cSld>
